--- a/web/Leitura_e_Aprendizagem/Informatica/Programacao/Programacao_web/Html/HTML_BASICO/00013_HTML_Comentarios_em_HTML.pptx
+++ b/web/Leitura_e_Aprendizagem/Informatica/Programacao/Programacao_web/Html/HTML_BASICO/00013_HTML_Comentarios_em_HTML.pptx
@@ -16927,7 +16927,31 @@
                 <a:cs typeface="Calibri"/>
                 <a:sym typeface="Calibri"/>
               </a:rPr>
-              <a:t>Alguns caracteres como o caractere &lt;, têm um significado especial na HTML. e </a:t>
+              <a:t>Alguns caracteres como o caractere &lt;, têm um significado especial </a:t>
+            </a:r>
+            <a:r>
+              <a:rPr lang="pt-BR" sz="2300" dirty="0" smtClean="0">
+                <a:solidFill>
+                  <a:schemeClr val="lt1"/>
+                </a:solidFill>
+                <a:latin typeface="Calibri"/>
+                <a:ea typeface="Calibri"/>
+                <a:cs typeface="Calibri"/>
+                <a:sym typeface="Calibri"/>
+              </a:rPr>
+              <a:t>no </a:t>
+            </a:r>
+            <a:r>
+              <a:rPr lang="pt-BR" sz="2300" dirty="0">
+                <a:solidFill>
+                  <a:schemeClr val="lt1"/>
+                </a:solidFill>
+                <a:latin typeface="Calibri"/>
+                <a:ea typeface="Calibri"/>
+                <a:cs typeface="Calibri"/>
+                <a:sym typeface="Calibri"/>
+              </a:rPr>
+              <a:t>HTML. e </a:t>
             </a:r>
             <a:r>
               <a:rPr lang="pt-BR" sz="2300" dirty="0" smtClean="0">
@@ -17001,7 +17025,7 @@
         <p:spPr>
           <a:xfrm>
             <a:off x="449187" y="846114"/>
-            <a:ext cx="6748249" cy="425474"/>
+            <a:ext cx="6983777" cy="425474"/>
           </a:xfrm>
           <a:prstGeom prst="rect">
             <a:avLst/>
@@ -17043,7 +17067,19 @@
                 <a:cs typeface="Calibri"/>
                 <a:sym typeface="Calibri"/>
               </a:rPr>
-              <a:t>Entidades de Caractere </a:t>
+              <a:t>Entidades de </a:t>
+            </a:r>
+            <a:r>
+              <a:rPr lang="pt-BR" sz="2300" dirty="0" smtClean="0">
+                <a:solidFill>
+                  <a:schemeClr val="dk1"/>
+                </a:solidFill>
+                <a:latin typeface="Calibri"/>
+                <a:ea typeface="Calibri"/>
+                <a:cs typeface="Calibri"/>
+                <a:sym typeface="Calibri"/>
+              </a:rPr>
+              <a:t>Caracteres </a:t>
             </a:r>
             <a:r>
               <a:rPr lang="pt-BR" sz="2300" dirty="0" smtClean="0">
@@ -17250,8 +17286,8 @@
         </p:nvSpPr>
         <p:spPr>
           <a:xfrm>
-            <a:off x="322727" y="1358349"/>
-            <a:ext cx="8301728" cy="3574628"/>
+            <a:off x="322727" y="1170554"/>
+            <a:ext cx="8301728" cy="3762423"/>
           </a:xfrm>
           <a:prstGeom prst="rect">
             <a:avLst/>
@@ -17269,6 +17305,18 @@
           <a:p>
             <a:pPr lvl="0"/>
             <a:r>
+              <a:rPr lang="pt-BR" sz="2300" dirty="0" smtClean="0">
+                <a:solidFill>
+                  <a:schemeClr val="lt1"/>
+                </a:solidFill>
+                <a:latin typeface="Calibri"/>
+                <a:ea typeface="Calibri"/>
+                <a:cs typeface="Calibri"/>
+                <a:sym typeface="Calibri"/>
+              </a:rPr>
+              <a:t>Uma </a:t>
+            </a:r>
+            <a:r>
               <a:rPr lang="pt-BR" sz="2300" dirty="0">
                 <a:solidFill>
                   <a:schemeClr val="lt1"/>
@@ -17278,7 +17326,67 @@
                 <a:cs typeface="Calibri"/>
                 <a:sym typeface="Calibri"/>
               </a:rPr>
-              <a:t>Alguns caracteres têm significado especial na HTML, como o sinal de menor do que (&lt;) que define o início de uma tag de HTML. </a:t>
+              <a:t>entidade de caractere tem </a:t>
+            </a:r>
+            <a:r>
+              <a:rPr lang="pt-BR" sz="2300" dirty="0" smtClean="0">
+                <a:solidFill>
+                  <a:schemeClr val="lt1"/>
+                </a:solidFill>
+                <a:latin typeface="Calibri"/>
+                <a:ea typeface="Calibri"/>
+                <a:cs typeface="Calibri"/>
+                <a:sym typeface="Calibri"/>
+              </a:rPr>
+              <a:t>quatro partes</a:t>
+            </a:r>
+            <a:r>
+              <a:rPr lang="pt-BR" sz="2300" dirty="0">
+                <a:solidFill>
+                  <a:schemeClr val="lt1"/>
+                </a:solidFill>
+                <a:latin typeface="Calibri"/>
+                <a:ea typeface="Calibri"/>
+                <a:cs typeface="Calibri"/>
+                <a:sym typeface="Calibri"/>
+              </a:rPr>
+              <a:t>: </a:t>
+            </a:r>
+            <a:endParaRPr lang="pt-BR" sz="2300" dirty="0" smtClean="0">
+              <a:solidFill>
+                <a:schemeClr val="lt1"/>
+              </a:solidFill>
+              <a:latin typeface="Calibri"/>
+              <a:ea typeface="Calibri"/>
+              <a:cs typeface="Calibri"/>
+              <a:sym typeface="Calibri"/>
+            </a:endParaRPr>
+          </a:p>
+          <a:p>
+            <a:pPr lvl="0"/>
+            <a:r>
+              <a:rPr lang="pt-BR" sz="2300" dirty="0" smtClean="0">
+                <a:solidFill>
+                  <a:schemeClr val="lt1"/>
+                </a:solidFill>
+                <a:latin typeface="Calibri"/>
+                <a:ea typeface="Calibri"/>
+                <a:cs typeface="Calibri"/>
+                <a:sym typeface="Calibri"/>
+              </a:rPr>
+              <a:t>1) Um </a:t>
+            </a:r>
+            <a:r>
+              <a:rPr lang="pt-BR" sz="2300" dirty="0">
+                <a:solidFill>
+                  <a:schemeClr val="lt1"/>
+                </a:solidFill>
+                <a:latin typeface="Calibri"/>
+                <a:ea typeface="Calibri"/>
+                <a:cs typeface="Calibri"/>
+                <a:sym typeface="Calibri"/>
+              </a:rPr>
+              <a:t>e comercial (&amp;), </a:t>
             </a:r>
             <a:endParaRPr lang="pt-BR" sz="2300" dirty="0" smtClean="0">
               <a:solidFill>
@@ -17314,7 +17422,7 @@
                 <a:cs typeface="Calibri"/>
                 <a:sym typeface="Calibri"/>
               </a:rPr>
-              <a:t>Se </a:t>
+              <a:t>2) Um </a:t>
             </a:r>
             <a:r>
               <a:rPr lang="pt-BR" sz="2300" dirty="0">
@@ -17326,20 +17434,17 @@
                 <a:cs typeface="Calibri"/>
                 <a:sym typeface="Calibri"/>
               </a:rPr>
-              <a:t>quisermos que o navegador exiba de fato estes caracteres devemos inserir entidades de caractere na fonte da HTML</a:t>
-            </a:r>
-            <a:r>
-              <a:rPr lang="pt-BR" sz="2300" dirty="0" smtClean="0">
-                <a:solidFill>
-                  <a:schemeClr val="lt1"/>
-                </a:solidFill>
-                <a:latin typeface="Calibri"/>
-                <a:ea typeface="Calibri"/>
-                <a:cs typeface="Calibri"/>
-                <a:sym typeface="Calibri"/>
-              </a:rPr>
-              <a:t>.</a:t>
-            </a:r>
+              <a:t>nome de entidade ou um # </a:t>
+            </a:r>
+            <a:endParaRPr lang="pt-BR" sz="2300" dirty="0" smtClean="0">
+              <a:solidFill>
+                <a:schemeClr val="lt1"/>
+              </a:solidFill>
+              <a:latin typeface="Calibri"/>
+              <a:ea typeface="Calibri"/>
+              <a:cs typeface="Calibri"/>
+              <a:sym typeface="Calibri"/>
+            </a:endParaRPr>
           </a:p>
           <a:p>
             <a:pPr lvl="0"/>
@@ -17356,6 +17461,18 @@
           <a:p>
             <a:pPr lvl="0"/>
             <a:r>
+              <a:rPr lang="pt-BR" sz="2300" dirty="0" smtClean="0">
+                <a:solidFill>
+                  <a:schemeClr val="lt1"/>
+                </a:solidFill>
+                <a:latin typeface="Calibri"/>
+                <a:ea typeface="Calibri"/>
+                <a:cs typeface="Calibri"/>
+                <a:sym typeface="Calibri"/>
+              </a:rPr>
+              <a:t>3) Um </a:t>
+            </a:r>
+            <a:r>
               <a:rPr lang="pt-BR" sz="2300" dirty="0">
                 <a:solidFill>
                   <a:schemeClr val="lt1"/>
@@ -17365,8 +17482,32 @@
                 <a:cs typeface="Calibri"/>
                 <a:sym typeface="Calibri"/>
               </a:rPr>
-              <a:t>Uma entidade de caractere tem três partes: um e comercial (&amp;), um nome de entidade ou um # e um número de entidade, e finalmente um ponto e vírgula </a:t>
-            </a:r>
+              <a:t>número de entidade, </a:t>
+            </a:r>
+            <a:endParaRPr lang="pt-BR" sz="2300" dirty="0" smtClean="0">
+              <a:solidFill>
+                <a:schemeClr val="lt1"/>
+              </a:solidFill>
+              <a:latin typeface="Calibri"/>
+              <a:ea typeface="Calibri"/>
+              <a:cs typeface="Calibri"/>
+              <a:sym typeface="Calibri"/>
+            </a:endParaRPr>
+          </a:p>
+          <a:p>
+            <a:pPr lvl="0"/>
+            <a:endParaRPr lang="pt-BR" sz="2300" dirty="0">
+              <a:solidFill>
+                <a:schemeClr val="lt1"/>
+              </a:solidFill>
+              <a:latin typeface="Calibri"/>
+              <a:ea typeface="Calibri"/>
+              <a:cs typeface="Calibri"/>
+              <a:sym typeface="Calibri"/>
+            </a:endParaRPr>
+          </a:p>
+          <a:p>
+            <a:pPr lvl="0"/>
             <a:r>
               <a:rPr lang="pt-BR" sz="2300" dirty="0" smtClean="0">
                 <a:solidFill>
@@ -17377,7 +17518,70 @@
                 <a:cs typeface="Calibri"/>
                 <a:sym typeface="Calibri"/>
               </a:rPr>
+              <a:t>4) E </a:t>
+            </a:r>
+            <a:r>
+              <a:rPr lang="pt-BR" sz="2300" dirty="0">
+                <a:solidFill>
+                  <a:schemeClr val="lt1"/>
+                </a:solidFill>
+                <a:latin typeface="Calibri"/>
+                <a:ea typeface="Calibri"/>
+                <a:cs typeface="Calibri"/>
+                <a:sym typeface="Calibri"/>
+              </a:rPr>
+              <a:t>finalmente um ponto e vírgula </a:t>
+            </a:r>
+            <a:r>
+              <a:rPr lang="pt-BR" sz="2300" dirty="0" smtClean="0">
+                <a:solidFill>
+                  <a:schemeClr val="lt1"/>
+                </a:solidFill>
+                <a:latin typeface="Calibri"/>
+                <a:ea typeface="Calibri"/>
+                <a:cs typeface="Calibri"/>
+                <a:sym typeface="Calibri"/>
+              </a:rPr>
               <a:t>(;).</a:t>
+            </a:r>
+          </a:p>
+          <a:p>
+            <a:pPr lvl="0"/>
+            <a:endParaRPr lang="pt-BR" sz="2300" dirty="0" smtClean="0">
+              <a:solidFill>
+                <a:schemeClr val="lt1"/>
+              </a:solidFill>
+              <a:latin typeface="Calibri"/>
+              <a:ea typeface="Calibri"/>
+              <a:cs typeface="Calibri"/>
+              <a:sym typeface="Calibri"/>
+            </a:endParaRPr>
+          </a:p>
+          <a:p>
+            <a:pPr lvl="0"/>
+            <a:r>
+              <a:rPr lang="pt-BR" sz="2300" dirty="0" smtClean="0">
+                <a:solidFill>
+                  <a:schemeClr val="lt1"/>
+                </a:solidFill>
+                <a:latin typeface="Calibri"/>
+                <a:ea typeface="Calibri"/>
+                <a:cs typeface="Calibri"/>
+                <a:sym typeface="Calibri"/>
+              </a:rPr>
+              <a:t>Exemplo:  &amp;#60; =</a:t>
+            </a:r>
+            <a:r>
+              <a:rPr lang="pt-BR" sz="2300" dirty="0" smtClean="0">
+                <a:solidFill>
+                  <a:schemeClr val="lt1"/>
+                </a:solidFill>
+                <a:latin typeface="Calibri"/>
+                <a:ea typeface="Calibri"/>
+                <a:cs typeface="Calibri"/>
+                <a:sym typeface="Wingdings" panose="05000000000000000000" pitchFamily="2" charset="2"/>
+              </a:rPr>
+              <a:t> &lt;</a:t>
             </a:r>
             <a:endParaRPr sz="2300" dirty="0">
               <a:solidFill>
@@ -18443,19 +18647,7 @@
                 <a:cs typeface="Calibri"/>
                 <a:sym typeface="Calibri"/>
               </a:rPr>
-              <a:t>utilizando </a:t>
-            </a:r>
-            <a:r>
-              <a:rPr lang="pt-BR" sz="1600" dirty="0" smtClean="0">
-                <a:solidFill>
-                  <a:schemeClr val="dk1"/>
-                </a:solidFill>
-                <a:latin typeface="Calibri"/>
-                <a:ea typeface="Calibri"/>
-                <a:cs typeface="Calibri"/>
-                <a:sym typeface="Calibri"/>
-              </a:rPr>
-              <a:t>a tag </a:t>
+              <a:t>utilizando a tag </a:t>
             </a:r>
             <a:r>
               <a:rPr lang="pt-BR" sz="1600" dirty="0">
@@ -18505,15 +18697,6 @@
               </a:rPr>
               <a:t> --&gt;</a:t>
             </a:r>
-            <a:endParaRPr lang="pt-BR" sz="1600" dirty="0" smtClean="0">
-              <a:solidFill>
-                <a:schemeClr val="dk1"/>
-              </a:solidFill>
-              <a:latin typeface="Calibri"/>
-              <a:ea typeface="Calibri"/>
-              <a:cs typeface="Calibri"/>
-              <a:sym typeface="Calibri"/>
-            </a:endParaRPr>
           </a:p>
           <a:p>
             <a:pPr>
@@ -23662,19 +23845,7 @@
                 <a:cs typeface="Calibri"/>
                 <a:sym typeface="Calibri"/>
               </a:rPr>
-              <a:t>&lt;!-- </a:t>
-            </a:r>
-            <a:r>
-              <a:rPr lang="pt-BR" sz="1700" dirty="0" smtClean="0">
-                <a:solidFill>
-                  <a:schemeClr val="dk1"/>
-                </a:solidFill>
-                <a:latin typeface="Calibri"/>
-                <a:ea typeface="Calibri"/>
-                <a:cs typeface="Calibri"/>
-                <a:sym typeface="Calibri"/>
-              </a:rPr>
-              <a:t>Título utilizando a tag h1 --&gt;</a:t>
+              <a:t>&lt;!-- Título utilizando a tag h1 --&gt;</a:t>
             </a:r>
           </a:p>
           <a:p>
@@ -23874,19 +24045,7 @@
                 <a:cs typeface="Calibri"/>
                 <a:sym typeface="Calibri"/>
               </a:rPr>
-              <a:t>   </a:t>
-            </a:r>
-            <a:r>
-              <a:rPr lang="pt-BR" sz="1700" dirty="0" smtClean="0">
-                <a:solidFill>
-                  <a:schemeClr val="dk1"/>
-                </a:solidFill>
-                <a:latin typeface="Calibri"/>
-                <a:ea typeface="Calibri"/>
-                <a:cs typeface="Calibri"/>
-                <a:sym typeface="Calibri"/>
-              </a:rPr>
-              <a:t>Definição: &lt;br&gt; A </a:t>
+              <a:t>   Definição: &lt;br&gt; A </a:t>
             </a:r>
             <a:r>
               <a:rPr lang="pt-BR" sz="1700" dirty="0">
@@ -25118,19 +25277,7 @@
                 <a:cs typeface="Calibri"/>
                 <a:sym typeface="Calibri"/>
               </a:rPr>
-              <a:t>&lt;!-- </a:t>
-            </a:r>
-            <a:r>
-              <a:rPr lang="pt-BR" sz="1700" dirty="0" smtClean="0">
-                <a:solidFill>
-                  <a:schemeClr val="dk1"/>
-                </a:solidFill>
-                <a:latin typeface="Calibri"/>
-                <a:ea typeface="Calibri"/>
-                <a:cs typeface="Calibri"/>
-                <a:sym typeface="Calibri"/>
-              </a:rPr>
-              <a:t>Título utilizando a tag h1 --&gt;</a:t>
+              <a:t>&lt;!-- Título utilizando a tag h1 --&gt;</a:t>
             </a:r>
           </a:p>
           <a:p>
@@ -25330,19 +25477,7 @@
                 <a:cs typeface="Calibri"/>
                 <a:sym typeface="Calibri"/>
               </a:rPr>
-              <a:t>   </a:t>
-            </a:r>
-            <a:r>
-              <a:rPr lang="pt-BR" sz="1700" dirty="0" smtClean="0">
-                <a:solidFill>
-                  <a:schemeClr val="dk1"/>
-                </a:solidFill>
-                <a:latin typeface="Calibri"/>
-                <a:ea typeface="Calibri"/>
-                <a:cs typeface="Calibri"/>
-                <a:sym typeface="Calibri"/>
-              </a:rPr>
-              <a:t>Definição: &lt;br&gt; A </a:t>
+              <a:t>   Definição: &lt;br&gt; A </a:t>
             </a:r>
             <a:r>
               <a:rPr lang="pt-BR" sz="1700" dirty="0">
@@ -25650,8 +25785,8 @@
         </p:nvSpPr>
         <p:spPr>
           <a:xfrm>
-            <a:off x="232524" y="858827"/>
-            <a:ext cx="3537615" cy="3985706"/>
+            <a:off x="232524" y="688062"/>
+            <a:ext cx="3537615" cy="4156471"/>
           </a:xfrm>
           <a:prstGeom prst="rect">
             <a:avLst/>
@@ -25698,7 +25833,19 @@
                 <a:cs typeface="Calibri"/>
                 <a:sym typeface="Calibri"/>
               </a:rPr>
-              <a:t>define um comentário no documento HTML.</a:t>
+              <a:t>&lt;!--...--&gt; define </a:t>
+            </a:r>
+            <a:r>
+              <a:rPr lang="pt-BR" sz="2300" dirty="0" smtClean="0">
+                <a:solidFill>
+                  <a:schemeClr val="lt1"/>
+                </a:solidFill>
+                <a:latin typeface="Calibri"/>
+                <a:ea typeface="Calibri"/>
+                <a:cs typeface="Calibri"/>
+                <a:sym typeface="Calibri"/>
+              </a:rPr>
+              <a:t>um comentário no documento HTML.</a:t>
             </a:r>
             <a:endParaRPr sz="2300" dirty="0">
               <a:solidFill>
@@ -25762,19 +25909,7 @@
                 <a:cs typeface="Calibri"/>
                 <a:sym typeface="Calibri"/>
               </a:rPr>
-              <a:t>documentar o código fonte para facilitar uma futura mudança no mesmo</a:t>
-            </a:r>
-            <a:r>
-              <a:rPr lang="pt-BR" sz="2300" dirty="0" smtClean="0">
-                <a:solidFill>
-                  <a:schemeClr val="lt1"/>
-                </a:solidFill>
-                <a:latin typeface="Calibri"/>
-                <a:ea typeface="Calibri"/>
-                <a:cs typeface="Calibri"/>
-                <a:sym typeface="Calibri"/>
-              </a:rPr>
-              <a:t>.</a:t>
+              <a:t>documentar o código fonte para facilitar uma futura mudança no mesmo.</a:t>
             </a:r>
             <a:endParaRPr sz="2300" dirty="0">
               <a:solidFill>
@@ -26692,19 +26827,7 @@
                 <a:cs typeface="Calibri"/>
                 <a:sym typeface="Calibri"/>
               </a:rPr>
-              <a:t>&lt;!-- </a:t>
-            </a:r>
-            <a:r>
-              <a:rPr lang="pt-BR" sz="1700" dirty="0" smtClean="0">
-                <a:solidFill>
-                  <a:schemeClr val="dk1"/>
-                </a:solidFill>
-                <a:latin typeface="Calibri"/>
-                <a:ea typeface="Calibri"/>
-                <a:cs typeface="Calibri"/>
-                <a:sym typeface="Calibri"/>
-              </a:rPr>
-              <a:t>Título utilizando a tag h1 --&gt;</a:t>
+              <a:t>&lt;!-- Título utilizando a tag h1 --&gt;</a:t>
             </a:r>
           </a:p>
           <a:p>
@@ -26904,19 +27027,7 @@
                 <a:cs typeface="Calibri"/>
                 <a:sym typeface="Calibri"/>
               </a:rPr>
-              <a:t>   </a:t>
-            </a:r>
-            <a:r>
-              <a:rPr lang="pt-BR" sz="1700" dirty="0" smtClean="0">
-                <a:solidFill>
-                  <a:schemeClr val="dk1"/>
-                </a:solidFill>
-                <a:latin typeface="Calibri"/>
-                <a:ea typeface="Calibri"/>
-                <a:cs typeface="Calibri"/>
-                <a:sym typeface="Calibri"/>
-              </a:rPr>
-              <a:t>Definição: &lt;br&gt; A </a:t>
+              <a:t>   Definição: &lt;br&gt; A </a:t>
             </a:r>
             <a:r>
               <a:rPr lang="pt-BR" sz="1700" dirty="0">
@@ -27542,7 +27653,7 @@
               <a:buNone/>
             </a:pPr>
             <a:r>
-              <a:rPr lang="pt-BR" sz="1400">
+              <a:rPr lang="pt-BR" sz="1400" dirty="0">
                 <a:solidFill>
                   <a:schemeClr val="dk1"/>
                 </a:solidFill>
@@ -27554,7 +27665,7 @@
               <a:t>Página - </a:t>
             </a:r>
             <a:r>
-              <a:rPr lang="pt-BR">
+              <a:rPr lang="pt-BR" dirty="0" smtClean="0">
                 <a:solidFill>
                   <a:schemeClr val="dk1"/>
                 </a:solidFill>
@@ -27563,9 +27674,9 @@
                 <a:cs typeface="Calibri"/>
                 <a:sym typeface="Calibri"/>
               </a:rPr>
-              <a:t>37</a:t>
-            </a:r>
-            <a:endParaRPr sz="1400">
+              <a:t>31</a:t>
+            </a:r>
+            <a:endParaRPr sz="1400" dirty="0">
               <a:solidFill>
                 <a:schemeClr val="dk1"/>
               </a:solidFill>
@@ -27721,30 +27832,26 @@
       </p:sp>
       <p:pic>
         <p:nvPicPr>
-          <p:cNvPr id="270" name="Google Shape;270;p25"/>
-          <p:cNvPicPr preferRelativeResize="0"/>
+          <p:cNvPr id="3" name="Imagem 2"/>
+          <p:cNvPicPr>
+            <a:picLocks noChangeAspect="1"/>
+          </p:cNvPicPr>
           <p:nvPr/>
         </p:nvPicPr>
         <p:blipFill>
-          <a:blip r:embed="rId4">
-            <a:alphaModFix/>
-          </a:blip>
+          <a:blip r:embed="rId4"/>
           <a:stretch>
             <a:fillRect/>
           </a:stretch>
         </p:blipFill>
         <p:spPr>
           <a:xfrm>
-            <a:off x="521025" y="892551"/>
-            <a:ext cx="6659612" cy="3842948"/>
+            <a:off x="694603" y="1294029"/>
+            <a:ext cx="6448425" cy="1676400"/>
           </a:xfrm>
           <a:prstGeom prst="rect">
             <a:avLst/>
           </a:prstGeom>
-          <a:noFill/>
-          <a:ln>
-            <a:noFill/>
-          </a:ln>
         </p:spPr>
       </p:pic>
     </p:spTree>
@@ -28984,30 +29091,26 @@
       </p:sp>
       <p:pic>
         <p:nvPicPr>
-          <p:cNvPr id="294" name="Google Shape;294;p28"/>
-          <p:cNvPicPr preferRelativeResize="0"/>
+          <p:cNvPr id="2" name="Imagem 1"/>
+          <p:cNvPicPr>
+            <a:picLocks noChangeAspect="1"/>
+          </p:cNvPicPr>
           <p:nvPr/>
         </p:nvPicPr>
         <p:blipFill>
-          <a:blip r:embed="rId3">
-            <a:alphaModFix/>
-          </a:blip>
+          <a:blip r:embed="rId3"/>
           <a:stretch>
             <a:fillRect/>
           </a:stretch>
         </p:blipFill>
         <p:spPr>
           <a:xfrm>
-            <a:off x="738850" y="1215956"/>
-            <a:ext cx="6629400" cy="2962275"/>
+            <a:off x="584200" y="1529556"/>
+            <a:ext cx="7791450" cy="1981200"/>
           </a:xfrm>
           <a:prstGeom prst="rect">
             <a:avLst/>
           </a:prstGeom>
-          <a:noFill/>
-          <a:ln>
-            <a:noFill/>
-          </a:ln>
         </p:spPr>
       </p:pic>
     </p:spTree>
@@ -29164,30 +29267,26 @@
       </p:sp>
       <p:pic>
         <p:nvPicPr>
-          <p:cNvPr id="302" name="Google Shape;302;p29"/>
-          <p:cNvPicPr preferRelativeResize="0"/>
+          <p:cNvPr id="2" name="Imagem 1"/>
+          <p:cNvPicPr>
+            <a:picLocks noChangeAspect="1"/>
+          </p:cNvPicPr>
           <p:nvPr/>
         </p:nvPicPr>
         <p:blipFill>
-          <a:blip r:embed="rId3">
-            <a:alphaModFix/>
-          </a:blip>
+          <a:blip r:embed="rId3"/>
           <a:stretch>
             <a:fillRect/>
           </a:stretch>
         </p:blipFill>
         <p:spPr>
           <a:xfrm>
-            <a:off x="338475" y="1169500"/>
-            <a:ext cx="8300076" cy="3401805"/>
+            <a:off x="356728" y="1011382"/>
+            <a:ext cx="8276096" cy="3649302"/>
           </a:xfrm>
           <a:prstGeom prst="rect">
             <a:avLst/>
           </a:prstGeom>
-          <a:noFill/>
-          <a:ln>
-            <a:noFill/>
-          </a:ln>
         </p:spPr>
       </p:pic>
     </p:spTree>
@@ -29310,8 +29409,8 @@
         </p:nvSpPr>
         <p:spPr>
           <a:xfrm>
-            <a:off x="380932" y="1368426"/>
-            <a:ext cx="3894023" cy="2754600"/>
+            <a:off x="380932" y="1080655"/>
+            <a:ext cx="3894023" cy="3042371"/>
           </a:xfrm>
           <a:prstGeom prst="rect">
             <a:avLst/>
@@ -29345,7 +29444,7 @@
               <a:buNone/>
             </a:pPr>
             <a:r>
-              <a:rPr lang="pt-BR" sz="2300" b="1">
+              <a:rPr lang="pt-BR" sz="2300" b="1" dirty="0">
                 <a:solidFill>
                   <a:srgbClr val="FFFF00"/>
                 </a:solidFill>
@@ -29357,7 +29456,7 @@
               <a:t>Destaca-se</a:t>
             </a:r>
             <a:r>
-              <a:rPr lang="pt-BR" sz="2300">
+              <a:rPr lang="pt-BR" sz="2300" dirty="0">
                 <a:solidFill>
                   <a:schemeClr val="lt1"/>
                 </a:solidFill>
@@ -29369,7 +29468,7 @@
               <a:t> como </a:t>
             </a:r>
             <a:r>
-              <a:rPr lang="pt-BR" sz="2300" b="1">
+              <a:rPr lang="pt-BR" sz="2300" b="1" dirty="0">
                 <a:solidFill>
                   <a:srgbClr val="FFFF00"/>
                 </a:solidFill>
@@ -29381,7 +29480,7 @@
               <a:t>fonte</a:t>
             </a:r>
             <a:r>
-              <a:rPr lang="pt-BR" sz="2300">
+              <a:rPr lang="pt-BR" sz="2300" dirty="0">
                 <a:solidFill>
                   <a:schemeClr val="lt1"/>
                 </a:solidFill>
@@ -29393,7 +29492,7 @@
               <a:t> de </a:t>
             </a:r>
             <a:r>
-              <a:rPr lang="pt-BR" sz="2300" b="1">
+              <a:rPr lang="pt-BR" sz="2300" b="1" dirty="0">
                 <a:solidFill>
                   <a:srgbClr val="FFFF00"/>
                 </a:solidFill>
@@ -29405,7 +29504,7 @@
               <a:t>consulta</a:t>
             </a:r>
             <a:r>
-              <a:rPr lang="pt-BR" sz="2300">
+              <a:rPr lang="pt-BR" sz="2300" dirty="0">
                 <a:solidFill>
                   <a:schemeClr val="lt1"/>
                 </a:solidFill>
@@ -29417,7 +29516,7 @@
               <a:t> para aprofundamento dos </a:t>
             </a:r>
             <a:r>
-              <a:rPr lang="pt-BR" sz="2300" b="1">
+              <a:rPr lang="pt-BR" sz="2300" b="1" dirty="0">
                 <a:solidFill>
                   <a:srgbClr val="FFFF00"/>
                 </a:solidFill>
@@ -29429,7 +29528,7 @@
               <a:t>temas</a:t>
             </a:r>
             <a:r>
-              <a:rPr lang="pt-BR" sz="2300">
+              <a:rPr lang="pt-BR" sz="2300" dirty="0">
                 <a:solidFill>
                   <a:schemeClr val="lt1"/>
                 </a:solidFill>
@@ -29441,7 +29540,7 @@
               <a:t> aqui </a:t>
             </a:r>
             <a:r>
-              <a:rPr lang="pt-BR" sz="2300" b="1">
+              <a:rPr lang="pt-BR" sz="2300" b="1" dirty="0">
                 <a:solidFill>
                   <a:srgbClr val="FFFF00"/>
                 </a:solidFill>
@@ -29453,7 +29552,7 @@
               <a:t>citados</a:t>
             </a:r>
             <a:r>
-              <a:rPr lang="pt-BR" sz="2300">
+              <a:rPr lang="pt-BR" sz="2300" dirty="0">
                 <a:solidFill>
                   <a:schemeClr val="lt1"/>
                 </a:solidFill>
@@ -29464,7 +29563,7 @@
               </a:rPr>
               <a:t>:</a:t>
             </a:r>
-            <a:endParaRPr/>
+            <a:endParaRPr dirty="0"/>
           </a:p>
           <a:p>
             <a:pPr marL="0" marR="0" lvl="0" indent="0" algn="l" rtl="0">
@@ -29477,7 +29576,7 @@
               <a:buNone/>
             </a:pPr>
             <a:r>
-              <a:rPr lang="pt-BR" sz="2300">
+              <a:rPr lang="pt-BR" sz="2300" dirty="0">
                 <a:solidFill>
                   <a:schemeClr val="lt1"/>
                 </a:solidFill>
@@ -29489,7 +29588,7 @@
               <a:t>Tipo: </a:t>
             </a:r>
             <a:r>
-              <a:rPr lang="pt-BR" sz="1800">
+              <a:rPr lang="pt-BR" sz="1800" dirty="0">
                 <a:solidFill>
                   <a:schemeClr val="lt1"/>
                 </a:solidFill>
@@ -29500,7 +29599,7 @@
               </a:rPr>
               <a:t>Livro</a:t>
             </a:r>
-            <a:endParaRPr/>
+            <a:endParaRPr dirty="0"/>
           </a:p>
           <a:p>
             <a:pPr marL="0" marR="0" lvl="0" indent="0" algn="l" rtl="0">
@@ -29513,7 +29612,7 @@
               <a:buNone/>
             </a:pPr>
             <a:r>
-              <a:rPr lang="pt-BR" sz="2300">
+              <a:rPr lang="pt-BR" sz="2300" dirty="0">
                 <a:solidFill>
                   <a:schemeClr val="lt1"/>
                 </a:solidFill>
@@ -29525,7 +29624,7 @@
               <a:t>Autor: </a:t>
             </a:r>
             <a:r>
-              <a:rPr lang="pt-BR" sz="1800">
+              <a:rPr lang="pt-BR" sz="1800" dirty="0">
                 <a:solidFill>
                   <a:schemeClr val="lt1"/>
                 </a:solidFill>
@@ -29536,7 +29635,7 @@
               </a:rPr>
               <a:t>Alfredo Limonge</a:t>
             </a:r>
-            <a:endParaRPr sz="1800">
+            <a:endParaRPr sz="1800" dirty="0">
               <a:solidFill>
                 <a:schemeClr val="lt1"/>
               </a:solidFill>
@@ -29556,7 +29655,7 @@
               </a:spcAft>
               <a:buNone/>
             </a:pPr>
-            <a:endParaRPr sz="1800">
+            <a:endParaRPr sz="1800" dirty="0">
               <a:solidFill>
                 <a:schemeClr val="lt1"/>
               </a:solidFill>
@@ -29577,7 +29676,7 @@
               <a:buNone/>
             </a:pPr>
             <a:r>
-              <a:rPr lang="pt-BR" sz="2000">
+              <a:rPr lang="pt-BR" sz="2000" dirty="0">
                 <a:solidFill>
                   <a:schemeClr val="lt1"/>
                 </a:solidFill>
@@ -29588,7 +29687,7 @@
               </a:rPr>
               <a:t>https://www.pdfdrive.com/html-a-partir-do-zero-e196386751.html</a:t>
             </a:r>
-            <a:endParaRPr/>
+            <a:endParaRPr dirty="0"/>
           </a:p>
         </p:txBody>
       </p:sp>
@@ -29739,9 +29838,12 @@
               <a:buNone/>
             </a:pPr>
             <a:r>
-              <a:rPr lang="pt-BR" sz="4000" b="1">
-                <a:solidFill>
-                  <a:srgbClr val="FFFF00"/>
+              <a:rPr lang="pt-BR" sz="4000" b="1" dirty="0">
+                <a:solidFill>
+                  <a:schemeClr val="accent6">
+                    <a:lumMod val="20000"/>
+                    <a:lumOff val="80000"/>
+                  </a:schemeClr>
                 </a:solidFill>
                 <a:latin typeface="Calibri"/>
                 <a:ea typeface="Calibri"/>
@@ -29750,9 +29852,12 @@
               </a:rPr>
               <a:t>Destaca-se como fonte de consulta</a:t>
             </a:r>
-            <a:endParaRPr sz="4000" b="1" cap="none">
+            <a:endParaRPr sz="4000" b="1" cap="none" dirty="0">
               <a:solidFill>
-                <a:srgbClr val="FFFF00"/>
+                <a:schemeClr val="accent6">
+                  <a:lumMod val="20000"/>
+                  <a:lumOff val="80000"/>
+                </a:schemeClr>
               </a:solidFill>
               <a:latin typeface="Calibri"/>
               <a:ea typeface="Calibri"/>
@@ -29882,8 +29987,8 @@
         </p:nvSpPr>
         <p:spPr>
           <a:xfrm>
-            <a:off x="380932" y="1368426"/>
-            <a:ext cx="3894023" cy="2693045"/>
+            <a:off x="380932" y="1013470"/>
+            <a:ext cx="3894023" cy="3048001"/>
           </a:xfrm>
           <a:prstGeom prst="rect">
             <a:avLst/>
@@ -29917,7 +30022,7 @@
               <a:buNone/>
             </a:pPr>
             <a:r>
-              <a:rPr lang="pt-BR" sz="2300" b="1">
+              <a:rPr lang="pt-BR" sz="2300" b="1" dirty="0">
                 <a:solidFill>
                   <a:srgbClr val="FFFF00"/>
                 </a:solidFill>
@@ -29929,7 +30034,7 @@
               <a:t>Destaca-se</a:t>
             </a:r>
             <a:r>
-              <a:rPr lang="pt-BR" sz="2300">
+              <a:rPr lang="pt-BR" sz="2300" dirty="0">
                 <a:solidFill>
                   <a:schemeClr val="lt1"/>
                 </a:solidFill>
@@ -29941,7 +30046,7 @@
               <a:t> como </a:t>
             </a:r>
             <a:r>
-              <a:rPr lang="pt-BR" sz="2300" b="1">
+              <a:rPr lang="pt-BR" sz="2300" b="1" dirty="0">
                 <a:solidFill>
                   <a:srgbClr val="FFFF00"/>
                 </a:solidFill>
@@ -29953,7 +30058,7 @@
               <a:t>fonte</a:t>
             </a:r>
             <a:r>
-              <a:rPr lang="pt-BR" sz="2300">
+              <a:rPr lang="pt-BR" sz="2300" dirty="0">
                 <a:solidFill>
                   <a:schemeClr val="lt1"/>
                 </a:solidFill>
@@ -29965,7 +30070,7 @@
               <a:t> de </a:t>
             </a:r>
             <a:r>
-              <a:rPr lang="pt-BR" sz="2300" b="1">
+              <a:rPr lang="pt-BR" sz="2300" b="1" dirty="0">
                 <a:solidFill>
                   <a:srgbClr val="FFFF00"/>
                 </a:solidFill>
@@ -29977,7 +30082,7 @@
               <a:t>consulta</a:t>
             </a:r>
             <a:r>
-              <a:rPr lang="pt-BR" sz="2300">
+              <a:rPr lang="pt-BR" sz="2300" dirty="0">
                 <a:solidFill>
                   <a:schemeClr val="lt1"/>
                 </a:solidFill>
@@ -29989,7 +30094,7 @@
               <a:t> para aprofundamento dos </a:t>
             </a:r>
             <a:r>
-              <a:rPr lang="pt-BR" sz="2300" b="1">
+              <a:rPr lang="pt-BR" sz="2300" b="1" dirty="0">
                 <a:solidFill>
                   <a:srgbClr val="FFFF00"/>
                 </a:solidFill>
@@ -30001,7 +30106,7 @@
               <a:t>temas</a:t>
             </a:r>
             <a:r>
-              <a:rPr lang="pt-BR" sz="2300">
+              <a:rPr lang="pt-BR" sz="2300" dirty="0">
                 <a:solidFill>
                   <a:schemeClr val="lt1"/>
                 </a:solidFill>
@@ -30013,7 +30118,7 @@
               <a:t> aqui </a:t>
             </a:r>
             <a:r>
-              <a:rPr lang="pt-BR" sz="2300" b="1">
+              <a:rPr lang="pt-BR" sz="2300" b="1" dirty="0">
                 <a:solidFill>
                   <a:srgbClr val="FFFF00"/>
                 </a:solidFill>
@@ -30025,7 +30130,7 @@
               <a:t>citados</a:t>
             </a:r>
             <a:r>
-              <a:rPr lang="pt-BR" sz="2300">
+              <a:rPr lang="pt-BR" sz="2300" dirty="0">
                 <a:solidFill>
                   <a:schemeClr val="lt1"/>
                 </a:solidFill>
@@ -30036,7 +30141,7 @@
               </a:rPr>
               <a:t>:</a:t>
             </a:r>
-            <a:endParaRPr/>
+            <a:endParaRPr dirty="0"/>
           </a:p>
           <a:p>
             <a:pPr marL="0" marR="0" lvl="0" indent="0" algn="l" rtl="0">
@@ -30049,7 +30154,7 @@
               <a:buNone/>
             </a:pPr>
             <a:r>
-              <a:rPr lang="pt-BR" sz="2300">
+              <a:rPr lang="pt-BR" sz="2300" dirty="0">
                 <a:solidFill>
                   <a:schemeClr val="lt1"/>
                 </a:solidFill>
@@ -30061,7 +30166,7 @@
               <a:t>Tipo: </a:t>
             </a:r>
             <a:r>
-              <a:rPr lang="pt-BR" sz="1800">
+              <a:rPr lang="pt-BR" sz="1800" dirty="0">
                 <a:solidFill>
                   <a:schemeClr val="lt1"/>
                 </a:solidFill>
@@ -30072,7 +30177,7 @@
               </a:rPr>
               <a:t>Livro</a:t>
             </a:r>
-            <a:endParaRPr/>
+            <a:endParaRPr dirty="0"/>
           </a:p>
           <a:p>
             <a:pPr marL="0" marR="0" lvl="0" indent="0" algn="l" rtl="0">
@@ -30085,7 +30190,7 @@
               <a:buNone/>
             </a:pPr>
             <a:r>
-              <a:rPr lang="pt-BR" sz="2300">
+              <a:rPr lang="pt-BR" sz="2300" dirty="0">
                 <a:solidFill>
                   <a:schemeClr val="lt1"/>
                 </a:solidFill>
@@ -30097,7 +30202,7 @@
               <a:t>Autor: </a:t>
             </a:r>
             <a:r>
-              <a:rPr lang="pt-BR" sz="1800">
+              <a:rPr lang="pt-BR" sz="1800" dirty="0">
                 <a:solidFill>
                   <a:schemeClr val="lt1"/>
                 </a:solidFill>
@@ -30108,7 +30213,7 @@
               </a:rPr>
               <a:t>Helder da Rocha</a:t>
             </a:r>
-            <a:endParaRPr sz="1800">
+            <a:endParaRPr sz="1800" dirty="0">
               <a:solidFill>
                 <a:schemeClr val="lt1"/>
               </a:solidFill>
@@ -30129,7 +30234,7 @@
               <a:buNone/>
             </a:pPr>
             <a:r>
-              <a:rPr lang="pt-BR" sz="1800" u="sng">
+              <a:rPr lang="pt-BR" sz="1800" u="sng" dirty="0">
                 <a:solidFill>
                   <a:schemeClr val="hlink"/>
                 </a:solidFill>
@@ -30141,7 +30246,7 @@
               </a:rPr>
               <a:t>https://www.pdfdrive.com/cria%C3%A7%C3%A3o-de-web-sites-i-e41463499.html</a:t>
             </a:r>
-            <a:endParaRPr sz="1800">
+            <a:endParaRPr sz="1800" dirty="0">
               <a:solidFill>
                 <a:schemeClr val="lt1"/>
               </a:solidFill>
@@ -30260,7 +30365,7 @@
       </p:pic>
       <p:sp>
         <p:nvSpPr>
-          <p:cNvPr id="324" name="Google Shape;324;p31"/>
+          <p:cNvPr id="8" name="Google Shape;313;p30"/>
           <p:cNvSpPr/>
           <p:nvPr/>
         </p:nvSpPr>
@@ -30300,9 +30405,12 @@
               <a:buNone/>
             </a:pPr>
             <a:r>
-              <a:rPr lang="pt-BR" sz="4000" b="1">
-                <a:solidFill>
-                  <a:srgbClr val="FFFF00"/>
+              <a:rPr lang="pt-BR" sz="4000" b="1" dirty="0">
+                <a:solidFill>
+                  <a:schemeClr val="accent6">
+                    <a:lumMod val="20000"/>
+                    <a:lumOff val="80000"/>
+                  </a:schemeClr>
                 </a:solidFill>
                 <a:latin typeface="Calibri"/>
                 <a:ea typeface="Calibri"/>
@@ -30311,9 +30419,12 @@
               </a:rPr>
               <a:t>Destaca-se como fonte de consulta</a:t>
             </a:r>
-            <a:endParaRPr sz="4000" b="1" cap="none">
+            <a:endParaRPr sz="4000" b="1" cap="none" dirty="0">
               <a:solidFill>
-                <a:srgbClr val="FFFF00"/>
+                <a:schemeClr val="accent6">
+                  <a:lumMod val="20000"/>
+                  <a:lumOff val="80000"/>
+                </a:schemeClr>
               </a:solidFill>
               <a:latin typeface="Calibri"/>
               <a:ea typeface="Calibri"/>
@@ -30706,7 +30817,7 @@
       </p:pic>
       <p:sp>
         <p:nvSpPr>
-          <p:cNvPr id="334" name="Google Shape;334;p32"/>
+          <p:cNvPr id="7" name="Google Shape;313;p30"/>
           <p:cNvSpPr/>
           <p:nvPr/>
         </p:nvSpPr>
@@ -30746,9 +30857,12 @@
               <a:buNone/>
             </a:pPr>
             <a:r>
-              <a:rPr lang="pt-BR" sz="4000" b="1">
-                <a:solidFill>
-                  <a:srgbClr val="FFFF00"/>
+              <a:rPr lang="pt-BR" sz="4000" b="1" dirty="0">
+                <a:solidFill>
+                  <a:schemeClr val="accent6">
+                    <a:lumMod val="20000"/>
+                    <a:lumOff val="80000"/>
+                  </a:schemeClr>
                 </a:solidFill>
                 <a:latin typeface="Calibri"/>
                 <a:ea typeface="Calibri"/>
@@ -30757,9 +30871,12 @@
               </a:rPr>
               <a:t>Destaca-se como fonte de consulta</a:t>
             </a:r>
-            <a:endParaRPr sz="4000" b="1" cap="none">
+            <a:endParaRPr sz="4000" b="1" cap="none" dirty="0">
               <a:solidFill>
-                <a:srgbClr val="FFFF00"/>
+                <a:schemeClr val="accent6">
+                  <a:lumMod val="20000"/>
+                  <a:lumOff val="80000"/>
+                </a:schemeClr>
               </a:solidFill>
               <a:latin typeface="Calibri"/>
               <a:ea typeface="Calibri"/>
@@ -35866,19 +35983,7 @@
                 <a:cs typeface="Calibri"/>
                 <a:sym typeface="Calibri"/>
               </a:rPr>
-              <a:t>&lt;!-- </a:t>
-            </a:r>
-            <a:r>
-              <a:rPr lang="pt-BR" sz="1700" dirty="0" smtClean="0">
-                <a:solidFill>
-                  <a:schemeClr val="dk1"/>
-                </a:solidFill>
-                <a:latin typeface="Calibri"/>
-                <a:ea typeface="Calibri"/>
-                <a:cs typeface="Calibri"/>
-                <a:sym typeface="Calibri"/>
-              </a:rPr>
-              <a:t>Título utilizando a tag h1 --&gt;</a:t>
+              <a:t>&lt;!-- Título utilizando a tag h1 --&gt;</a:t>
             </a:r>
           </a:p>
           <a:p>
@@ -36078,19 +36183,7 @@
                 <a:cs typeface="Calibri"/>
                 <a:sym typeface="Calibri"/>
               </a:rPr>
-              <a:t>   </a:t>
-            </a:r>
-            <a:r>
-              <a:rPr lang="pt-BR" sz="1700" dirty="0" smtClean="0">
-                <a:solidFill>
-                  <a:schemeClr val="dk1"/>
-                </a:solidFill>
-                <a:latin typeface="Calibri"/>
-                <a:ea typeface="Calibri"/>
-                <a:cs typeface="Calibri"/>
-                <a:sym typeface="Calibri"/>
-              </a:rPr>
-              <a:t>Definição: &lt;br&gt; A </a:t>
+              <a:t>   Definição: &lt;br&gt; A </a:t>
             </a:r>
             <a:r>
               <a:rPr lang="pt-BR" sz="1700" dirty="0">
